--- a/docpac_apr22/WeeklyReview.pptx
+++ b/docpac_apr22/WeeklyReview.pptx
@@ -123,37 +123,6 @@
 
 <file path=ppt/changesInfos/changesInfo1.xml><?xml version="1.0" encoding="utf-8"?>
 <pc:chgInfo xmlns:a="http://schemas.openxmlformats.org/drawingml/2006/main" xmlns:r="http://schemas.openxmlformats.org/officeDocument/2006/relationships" xmlns:ac="http://schemas.microsoft.com/office/drawing/2013/main/command" xmlns:pc="http://schemas.microsoft.com/office/powerpoint/2013/main/command">
-  <pc:docChgLst>
-    <pc:chgData name="Christopher Smith" userId="dd7fc2d5-9988-40ef-9498-c94fd49fd9a4" providerId="ADAL" clId="{0D394EDB-C9B0-469B-ABFB-C46AFCBFA389}"/>
-    <pc:docChg chg="custSel addSld modSld">
-      <pc:chgData name="Christopher Smith" userId="dd7fc2d5-9988-40ef-9498-c94fd49fd9a4" providerId="ADAL" clId="{0D394EDB-C9B0-469B-ABFB-C46AFCBFA389}" dt="2022-03-28T17:56:57.661" v="3390"/>
-      <pc:docMkLst>
-        <pc:docMk/>
-      </pc:docMkLst>
-      <pc:sldChg chg="modSp modAnim">
-        <pc:chgData name="Christopher Smith" userId="dd7fc2d5-9988-40ef-9498-c94fd49fd9a4" providerId="ADAL" clId="{0D394EDB-C9B0-469B-ABFB-C46AFCBFA389}" dt="2022-03-28T16:38:29.356" v="118" actId="20577"/>
-        <pc:sldMkLst>
-          <pc:docMk/>
-          <pc:sldMk cId="4169265430" sldId="264"/>
-        </pc:sldMkLst>
-        <pc:spChg chg="mod">
-          <ac:chgData name="Christopher Smith" userId="dd7fc2d5-9988-40ef-9498-c94fd49fd9a4" providerId="ADAL" clId="{0D394EDB-C9B0-469B-ABFB-C46AFCBFA389}" dt="2022-03-28T16:38:29.356" v="118" actId="20577"/>
-          <ac:spMkLst>
-            <pc:docMk/>
-            <pc:sldMk cId="4169265430" sldId="264"/>
-            <ac:spMk id="3" creationId="{CAB66B1E-DCF9-43D3-90A2-5FF2C28509D7}"/>
-          </ac:spMkLst>
-        </pc:spChg>
-      </pc:sldChg>
-      <pc:sldChg chg="modAnim">
-        <pc:chgData name="Christopher Smith" userId="dd7fc2d5-9988-40ef-9498-c94fd49fd9a4" providerId="ADAL" clId="{0D394EDB-C9B0-469B-ABFB-C46AFCBFA389}" dt="2022-03-28T16:35:37.992" v="1"/>
-        <pc:sldMkLst>
-          <pc:docMk/>
-          <pc:sldMk cId="1828171035" sldId="321"/>
-        </pc:sldMkLst>
-      </pc:sldChg>
-    </pc:docChg>
-  </pc:docChgLst>
   <pc:docChgLst>
     <pc:chgData name="SMITH, CHRISTOPHER" userId="dd7fc2d5-9988-40ef-9498-c94fd49fd9a4" providerId="ADAL" clId="{9A50167A-A1E1-4421-BF62-262EFC69B357}"/>
     <pc:docChg chg="custSel addSld delSld modSld sldOrd">
@@ -345,12 +314,80 @@
     </pc:docChg>
   </pc:docChgLst>
   <pc:docChgLst>
+    <pc:chgData name="Christopher Smith" userId="dd7fc2d5-9988-40ef-9498-c94fd49fd9a4" providerId="ADAL" clId="{0D394EDB-C9B0-469B-ABFB-C46AFCBFA389}"/>
+    <pc:docChg chg="custSel addSld modSld">
+      <pc:chgData name="Christopher Smith" userId="dd7fc2d5-9988-40ef-9498-c94fd49fd9a4" providerId="ADAL" clId="{0D394EDB-C9B0-469B-ABFB-C46AFCBFA389}" dt="2022-03-28T17:56:57.661" v="3390"/>
+      <pc:docMkLst>
+        <pc:docMk/>
+      </pc:docMkLst>
+      <pc:sldChg chg="modSp modAnim">
+        <pc:chgData name="Christopher Smith" userId="dd7fc2d5-9988-40ef-9498-c94fd49fd9a4" providerId="ADAL" clId="{0D394EDB-C9B0-469B-ABFB-C46AFCBFA389}" dt="2022-03-28T16:38:29.356" v="118" actId="20577"/>
+        <pc:sldMkLst>
+          <pc:docMk/>
+          <pc:sldMk cId="4169265430" sldId="264"/>
+        </pc:sldMkLst>
+        <pc:spChg chg="mod">
+          <ac:chgData name="Christopher Smith" userId="dd7fc2d5-9988-40ef-9498-c94fd49fd9a4" providerId="ADAL" clId="{0D394EDB-C9B0-469B-ABFB-C46AFCBFA389}" dt="2022-03-28T16:38:29.356" v="118" actId="20577"/>
+          <ac:spMkLst>
+            <pc:docMk/>
+            <pc:sldMk cId="4169265430" sldId="264"/>
+            <ac:spMk id="3" creationId="{CAB66B1E-DCF9-43D3-90A2-5FF2C28509D7}"/>
+          </ac:spMkLst>
+        </pc:spChg>
+      </pc:sldChg>
+      <pc:sldChg chg="modAnim">
+        <pc:chgData name="Christopher Smith" userId="dd7fc2d5-9988-40ef-9498-c94fd49fd9a4" providerId="ADAL" clId="{0D394EDB-C9B0-469B-ABFB-C46AFCBFA389}" dt="2022-03-28T16:35:37.992" v="1"/>
+        <pc:sldMkLst>
+          <pc:docMk/>
+          <pc:sldMk cId="1828171035" sldId="321"/>
+        </pc:sldMkLst>
+      </pc:sldChg>
+    </pc:docChg>
+  </pc:docChgLst>
+  <pc:docChgLst>
     <pc:chgData name="SMITH, CHRISTOPHER" userId="dd7fc2d5-9988-40ef-9498-c94fd49fd9a4" providerId="ADAL" clId="{461803CD-C4BF-416C-B751-D93DC6103CDF}"/>
     <pc:docChg chg="custSel addSld delSld modSld">
       <pc:chgData name="SMITH, CHRISTOPHER" userId="dd7fc2d5-9988-40ef-9498-c94fd49fd9a4" providerId="ADAL" clId="{461803CD-C4BF-416C-B751-D93DC6103CDF}" dt="2022-03-13T16:53:17.325" v="2096" actId="20577"/>
       <pc:docMkLst>
         <pc:docMk/>
       </pc:docMkLst>
+    </pc:docChg>
+  </pc:docChgLst>
+  <pc:docChgLst>
+    <pc:chgData name="Christopher Smith" userId="dd7fc2d5-9988-40ef-9498-c94fd49fd9a4" providerId="ADAL" clId="{FC55A67C-B264-4813-A66D-FFD3EB6D176F}"/>
+    <pc:docChg chg="modSld">
+      <pc:chgData name="Christopher Smith" userId="dd7fc2d5-9988-40ef-9498-c94fd49fd9a4" providerId="ADAL" clId="{FC55A67C-B264-4813-A66D-FFD3EB6D176F}" dt="2022-04-19T17:31:40.123" v="5"/>
+      <pc:docMkLst>
+        <pc:docMk/>
+      </pc:docMkLst>
+      <pc:sldChg chg="modAnim">
+        <pc:chgData name="Christopher Smith" userId="dd7fc2d5-9988-40ef-9498-c94fd49fd9a4" providerId="ADAL" clId="{FC55A67C-B264-4813-A66D-FFD3EB6D176F}" dt="2022-04-19T17:30:59.055" v="0"/>
+        <pc:sldMkLst>
+          <pc:docMk/>
+          <pc:sldMk cId="4169265430" sldId="264"/>
+        </pc:sldMkLst>
+      </pc:sldChg>
+      <pc:sldChg chg="modAnim">
+        <pc:chgData name="Christopher Smith" userId="dd7fc2d5-9988-40ef-9498-c94fd49fd9a4" providerId="ADAL" clId="{FC55A67C-B264-4813-A66D-FFD3EB6D176F}" dt="2022-04-19T17:31:06.759" v="3"/>
+        <pc:sldMkLst>
+          <pc:docMk/>
+          <pc:sldMk cId="317021465" sldId="329"/>
+        </pc:sldMkLst>
+      </pc:sldChg>
+      <pc:sldChg chg="modAnim">
+        <pc:chgData name="Christopher Smith" userId="dd7fc2d5-9988-40ef-9498-c94fd49fd9a4" providerId="ADAL" clId="{FC55A67C-B264-4813-A66D-FFD3EB6D176F}" dt="2022-04-19T17:31:37.139" v="4"/>
+        <pc:sldMkLst>
+          <pc:docMk/>
+          <pc:sldMk cId="1917416148" sldId="330"/>
+        </pc:sldMkLst>
+      </pc:sldChg>
+      <pc:sldChg chg="modAnim">
+        <pc:chgData name="Christopher Smith" userId="dd7fc2d5-9988-40ef-9498-c94fd49fd9a4" providerId="ADAL" clId="{FC55A67C-B264-4813-A66D-FFD3EB6D176F}" dt="2022-04-19T17:31:40.123" v="5"/>
+        <pc:sldMkLst>
+          <pc:docMk/>
+          <pc:sldMk cId="1897505662" sldId="331"/>
+        </pc:sldMkLst>
+      </pc:sldChg>
     </pc:docChg>
   </pc:docChgLst>
   <pc:docChgLst>
@@ -402,18 +439,12 @@
     </pc:docChg>
   </pc:docChgLst>
   <pc:docChgLst>
+    <pc:chgData name="Christopher Smith" userId="dd7fc2d5-9988-40ef-9498-c94fd49fd9a4" providerId="ADAL" clId="{80D747C6-076E-4998-BAD5-1FD408321E60}"/>
+  </pc:docChgLst>
+  <pc:docChgLst>
     <pc:chgData name="Christopher Smith" userId="dd7fc2d5-9988-40ef-9498-c94fd49fd9a4" providerId="ADAL" clId="{F9EAC55B-E4CB-4EC9-93C5-0BCCD297DE25}"/>
     <pc:docChg chg="custSel modSld">
       <pc:chgData name="Christopher Smith" userId="dd7fc2d5-9988-40ef-9498-c94fd49fd9a4" providerId="ADAL" clId="{F9EAC55B-E4CB-4EC9-93C5-0BCCD297DE25}" dt="2022-02-07T18:41:39.243" v="592"/>
-      <pc:docMkLst>
-        <pc:docMk/>
-      </pc:docMkLst>
-    </pc:docChg>
-  </pc:docChgLst>
-  <pc:docChgLst>
-    <pc:chgData name="Christopher Smith" userId="dd7fc2d5-9988-40ef-9498-c94fd49fd9a4" providerId="ADAL" clId="{80D747C6-076E-4998-BAD5-1FD408321E60}"/>
-    <pc:docChg chg="modSld">
-      <pc:chgData name="Christopher Smith" userId="dd7fc2d5-9988-40ef-9498-c94fd49fd9a4" providerId="ADAL" clId="{80D747C6-076E-4998-BAD5-1FD408321E60}" dt="2022-01-18T16:11:01.117" v="3"/>
       <pc:docMkLst>
         <pc:docMk/>
       </pc:docMkLst>
@@ -658,7 +689,7 @@
           <a:p>
             <a:fld id="{DD65B5FD-38D6-45F5-BB3F-9DCE0434F6A6}" type="datetimeFigureOut">
               <a:rPr lang="en-US" smtClean="0"/>
-              <a:t>4/18/2022</a:t>
+              <a:t>4/19/2022</a:t>
             </a:fld>
             <a:endParaRPr lang="en-US"/>
           </a:p>
@@ -1072,7 +1103,7 @@
           <a:p>
             <a:fld id="{158B72E8-B12F-4F24-84EA-C15599633662}" type="datetimeFigureOut">
               <a:rPr lang="en-US" smtClean="0"/>
-              <a:t>4/18/2022</a:t>
+              <a:t>4/19/2022</a:t>
             </a:fld>
             <a:endParaRPr lang="en-US"/>
           </a:p>
@@ -1270,7 +1301,7 @@
           <a:p>
             <a:fld id="{158B72E8-B12F-4F24-84EA-C15599633662}" type="datetimeFigureOut">
               <a:rPr lang="en-US" smtClean="0"/>
-              <a:t>4/18/2022</a:t>
+              <a:t>4/19/2022</a:t>
             </a:fld>
             <a:endParaRPr lang="en-US"/>
           </a:p>
@@ -1478,7 +1509,7 @@
           <a:p>
             <a:fld id="{158B72E8-B12F-4F24-84EA-C15599633662}" type="datetimeFigureOut">
               <a:rPr lang="en-US" smtClean="0"/>
-              <a:t>4/18/2022</a:t>
+              <a:t>4/19/2022</a:t>
             </a:fld>
             <a:endParaRPr lang="en-US"/>
           </a:p>
@@ -1676,7 +1707,7 @@
           <a:p>
             <a:fld id="{158B72E8-B12F-4F24-84EA-C15599633662}" type="datetimeFigureOut">
               <a:rPr lang="en-US" smtClean="0"/>
-              <a:t>4/18/2022</a:t>
+              <a:t>4/19/2022</a:t>
             </a:fld>
             <a:endParaRPr lang="en-US"/>
           </a:p>
@@ -1951,7 +1982,7 @@
           <a:p>
             <a:fld id="{158B72E8-B12F-4F24-84EA-C15599633662}" type="datetimeFigureOut">
               <a:rPr lang="en-US" smtClean="0"/>
-              <a:t>4/18/2022</a:t>
+              <a:t>4/19/2022</a:t>
             </a:fld>
             <a:endParaRPr lang="en-US"/>
           </a:p>
@@ -2216,7 +2247,7 @@
           <a:p>
             <a:fld id="{158B72E8-B12F-4F24-84EA-C15599633662}" type="datetimeFigureOut">
               <a:rPr lang="en-US" smtClean="0"/>
-              <a:t>4/18/2022</a:t>
+              <a:t>4/19/2022</a:t>
             </a:fld>
             <a:endParaRPr lang="en-US"/>
           </a:p>
@@ -2628,7 +2659,7 @@
           <a:p>
             <a:fld id="{158B72E8-B12F-4F24-84EA-C15599633662}" type="datetimeFigureOut">
               <a:rPr lang="en-US" smtClean="0"/>
-              <a:t>4/18/2022</a:t>
+              <a:t>4/19/2022</a:t>
             </a:fld>
             <a:endParaRPr lang="en-US"/>
           </a:p>
@@ -2769,7 +2800,7 @@
           <a:p>
             <a:fld id="{158B72E8-B12F-4F24-84EA-C15599633662}" type="datetimeFigureOut">
               <a:rPr lang="en-US" smtClean="0"/>
-              <a:t>4/18/2022</a:t>
+              <a:t>4/19/2022</a:t>
             </a:fld>
             <a:endParaRPr lang="en-US"/>
           </a:p>
@@ -2882,7 +2913,7 @@
           <a:p>
             <a:fld id="{158B72E8-B12F-4F24-84EA-C15599633662}" type="datetimeFigureOut">
               <a:rPr lang="en-US" smtClean="0"/>
-              <a:t>4/18/2022</a:t>
+              <a:t>4/19/2022</a:t>
             </a:fld>
             <a:endParaRPr lang="en-US"/>
           </a:p>
@@ -3193,7 +3224,7 @@
           <a:p>
             <a:fld id="{158B72E8-B12F-4F24-84EA-C15599633662}" type="datetimeFigureOut">
               <a:rPr lang="en-US" smtClean="0"/>
-              <a:t>4/18/2022</a:t>
+              <a:t>4/19/2022</a:t>
             </a:fld>
             <a:endParaRPr lang="en-US"/>
           </a:p>
@@ -3481,7 +3512,7 @@
           <a:p>
             <a:fld id="{158B72E8-B12F-4F24-84EA-C15599633662}" type="datetimeFigureOut">
               <a:rPr lang="en-US" smtClean="0"/>
-              <a:t>4/18/2022</a:t>
+              <a:t>4/19/2022</a:t>
             </a:fld>
             <a:endParaRPr lang="en-US"/>
           </a:p>
@@ -3722,7 +3753,7 @@
           <a:p>
             <a:fld id="{158B72E8-B12F-4F24-84EA-C15599633662}" type="datetimeFigureOut">
               <a:rPr lang="en-US" smtClean="0"/>
-              <a:t>4/18/2022</a:t>
+              <a:t>4/19/2022</a:t>
             </a:fld>
             <a:endParaRPr lang="en-US"/>
           </a:p>
@@ -4334,6 +4365,333 @@
   <p:clrMapOvr>
     <a:masterClrMapping/>
   </p:clrMapOvr>
+  <p:timing>
+    <p:tnLst>
+      <p:par>
+        <p:cTn id="1" dur="indefinite" restart="never" nodeType="tmRoot">
+          <p:childTnLst>
+            <p:seq concurrent="1" nextAc="seek">
+              <p:cTn id="2" dur="indefinite" nodeType="mainSeq">
+                <p:childTnLst>
+                  <p:par>
+                    <p:cTn id="3" fill="hold">
+                      <p:stCondLst>
+                        <p:cond delay="indefinite"/>
+                      </p:stCondLst>
+                      <p:childTnLst>
+                        <p:par>
+                          <p:cTn id="4" fill="hold">
+                            <p:stCondLst>
+                              <p:cond delay="0"/>
+                            </p:stCondLst>
+                            <p:childTnLst>
+                              <p:par>
+                                <p:cTn id="5" presetID="1" presetClass="entr" presetSubtype="0" fill="hold" grpId="0" nodeType="clickEffect">
+                                  <p:stCondLst>
+                                    <p:cond delay="0"/>
+                                  </p:stCondLst>
+                                  <p:childTnLst>
+                                    <p:set>
+                                      <p:cBhvr>
+                                        <p:cTn id="6" dur="1" fill="hold">
+                                          <p:stCondLst>
+                                            <p:cond delay="0"/>
+                                          </p:stCondLst>
+                                        </p:cTn>
+                                        <p:tgtEl>
+                                          <p:spTgt spid="3">
+                                            <p:txEl>
+                                              <p:pRg st="0" end="0"/>
+                                            </p:txEl>
+                                          </p:spTgt>
+                                        </p:tgtEl>
+                                        <p:attrNameLst>
+                                          <p:attrName>style.visibility</p:attrName>
+                                        </p:attrNameLst>
+                                      </p:cBhvr>
+                                      <p:to>
+                                        <p:strVal val="visible"/>
+                                      </p:to>
+                                    </p:set>
+                                  </p:childTnLst>
+                                </p:cTn>
+                              </p:par>
+                            </p:childTnLst>
+                          </p:cTn>
+                        </p:par>
+                      </p:childTnLst>
+                    </p:cTn>
+                  </p:par>
+                  <p:par>
+                    <p:cTn id="7" fill="hold">
+                      <p:stCondLst>
+                        <p:cond delay="indefinite"/>
+                      </p:stCondLst>
+                      <p:childTnLst>
+                        <p:par>
+                          <p:cTn id="8" fill="hold">
+                            <p:stCondLst>
+                              <p:cond delay="0"/>
+                            </p:stCondLst>
+                            <p:childTnLst>
+                              <p:par>
+                                <p:cTn id="9" presetID="1" presetClass="entr" presetSubtype="0" fill="hold" grpId="0" nodeType="clickEffect">
+                                  <p:stCondLst>
+                                    <p:cond delay="0"/>
+                                  </p:stCondLst>
+                                  <p:childTnLst>
+                                    <p:set>
+                                      <p:cBhvr>
+                                        <p:cTn id="10" dur="1" fill="hold">
+                                          <p:stCondLst>
+                                            <p:cond delay="0"/>
+                                          </p:stCondLst>
+                                        </p:cTn>
+                                        <p:tgtEl>
+                                          <p:spTgt spid="3">
+                                            <p:txEl>
+                                              <p:pRg st="1" end="1"/>
+                                            </p:txEl>
+                                          </p:spTgt>
+                                        </p:tgtEl>
+                                        <p:attrNameLst>
+                                          <p:attrName>style.visibility</p:attrName>
+                                        </p:attrNameLst>
+                                      </p:cBhvr>
+                                      <p:to>
+                                        <p:strVal val="visible"/>
+                                      </p:to>
+                                    </p:set>
+                                  </p:childTnLst>
+                                </p:cTn>
+                              </p:par>
+                            </p:childTnLst>
+                          </p:cTn>
+                        </p:par>
+                      </p:childTnLst>
+                    </p:cTn>
+                  </p:par>
+                  <p:par>
+                    <p:cTn id="11" fill="hold">
+                      <p:stCondLst>
+                        <p:cond delay="indefinite"/>
+                      </p:stCondLst>
+                      <p:childTnLst>
+                        <p:par>
+                          <p:cTn id="12" fill="hold">
+                            <p:stCondLst>
+                              <p:cond delay="0"/>
+                            </p:stCondLst>
+                            <p:childTnLst>
+                              <p:par>
+                                <p:cTn id="13" presetID="1" presetClass="entr" presetSubtype="0" fill="hold" grpId="0" nodeType="clickEffect">
+                                  <p:stCondLst>
+                                    <p:cond delay="0"/>
+                                  </p:stCondLst>
+                                  <p:childTnLst>
+                                    <p:set>
+                                      <p:cBhvr>
+                                        <p:cTn id="14" dur="1" fill="hold">
+                                          <p:stCondLst>
+                                            <p:cond delay="0"/>
+                                          </p:stCondLst>
+                                        </p:cTn>
+                                        <p:tgtEl>
+                                          <p:spTgt spid="3">
+                                            <p:txEl>
+                                              <p:pRg st="2" end="2"/>
+                                            </p:txEl>
+                                          </p:spTgt>
+                                        </p:tgtEl>
+                                        <p:attrNameLst>
+                                          <p:attrName>style.visibility</p:attrName>
+                                        </p:attrNameLst>
+                                      </p:cBhvr>
+                                      <p:to>
+                                        <p:strVal val="visible"/>
+                                      </p:to>
+                                    </p:set>
+                                  </p:childTnLst>
+                                </p:cTn>
+                              </p:par>
+                            </p:childTnLst>
+                          </p:cTn>
+                        </p:par>
+                      </p:childTnLst>
+                    </p:cTn>
+                  </p:par>
+                  <p:par>
+                    <p:cTn id="15" fill="hold">
+                      <p:stCondLst>
+                        <p:cond delay="indefinite"/>
+                      </p:stCondLst>
+                      <p:childTnLst>
+                        <p:par>
+                          <p:cTn id="16" fill="hold">
+                            <p:stCondLst>
+                              <p:cond delay="0"/>
+                            </p:stCondLst>
+                            <p:childTnLst>
+                              <p:par>
+                                <p:cTn id="17" presetID="1" presetClass="entr" presetSubtype="0" fill="hold" grpId="0" nodeType="clickEffect">
+                                  <p:stCondLst>
+                                    <p:cond delay="0"/>
+                                  </p:stCondLst>
+                                  <p:childTnLst>
+                                    <p:set>
+                                      <p:cBhvr>
+                                        <p:cTn id="18" dur="1" fill="hold">
+                                          <p:stCondLst>
+                                            <p:cond delay="0"/>
+                                          </p:stCondLst>
+                                        </p:cTn>
+                                        <p:tgtEl>
+                                          <p:spTgt spid="3">
+                                            <p:txEl>
+                                              <p:pRg st="3" end="3"/>
+                                            </p:txEl>
+                                          </p:spTgt>
+                                        </p:tgtEl>
+                                        <p:attrNameLst>
+                                          <p:attrName>style.visibility</p:attrName>
+                                        </p:attrNameLst>
+                                      </p:cBhvr>
+                                      <p:to>
+                                        <p:strVal val="visible"/>
+                                      </p:to>
+                                    </p:set>
+                                  </p:childTnLst>
+                                </p:cTn>
+                              </p:par>
+                            </p:childTnLst>
+                          </p:cTn>
+                        </p:par>
+                      </p:childTnLst>
+                    </p:cTn>
+                  </p:par>
+                  <p:par>
+                    <p:cTn id="19" fill="hold">
+                      <p:stCondLst>
+                        <p:cond delay="indefinite"/>
+                      </p:stCondLst>
+                      <p:childTnLst>
+                        <p:par>
+                          <p:cTn id="20" fill="hold">
+                            <p:stCondLst>
+                              <p:cond delay="0"/>
+                            </p:stCondLst>
+                            <p:childTnLst>
+                              <p:par>
+                                <p:cTn id="21" presetID="1" presetClass="entr" presetSubtype="0" fill="hold" grpId="0" nodeType="clickEffect">
+                                  <p:stCondLst>
+                                    <p:cond delay="0"/>
+                                  </p:stCondLst>
+                                  <p:childTnLst>
+                                    <p:set>
+                                      <p:cBhvr>
+                                        <p:cTn id="22" dur="1" fill="hold">
+                                          <p:stCondLst>
+                                            <p:cond delay="0"/>
+                                          </p:stCondLst>
+                                        </p:cTn>
+                                        <p:tgtEl>
+                                          <p:spTgt spid="3">
+                                            <p:txEl>
+                                              <p:pRg st="4" end="4"/>
+                                            </p:txEl>
+                                          </p:spTgt>
+                                        </p:tgtEl>
+                                        <p:attrNameLst>
+                                          <p:attrName>style.visibility</p:attrName>
+                                        </p:attrNameLst>
+                                      </p:cBhvr>
+                                      <p:to>
+                                        <p:strVal val="visible"/>
+                                      </p:to>
+                                    </p:set>
+                                  </p:childTnLst>
+                                </p:cTn>
+                              </p:par>
+                            </p:childTnLst>
+                          </p:cTn>
+                        </p:par>
+                      </p:childTnLst>
+                    </p:cTn>
+                  </p:par>
+                  <p:par>
+                    <p:cTn id="23" fill="hold">
+                      <p:stCondLst>
+                        <p:cond delay="indefinite"/>
+                      </p:stCondLst>
+                      <p:childTnLst>
+                        <p:par>
+                          <p:cTn id="24" fill="hold">
+                            <p:stCondLst>
+                              <p:cond delay="0"/>
+                            </p:stCondLst>
+                            <p:childTnLst>
+                              <p:par>
+                                <p:cTn id="25" presetID="1" presetClass="entr" presetSubtype="0" fill="hold" grpId="0" nodeType="clickEffect">
+                                  <p:stCondLst>
+                                    <p:cond delay="0"/>
+                                  </p:stCondLst>
+                                  <p:childTnLst>
+                                    <p:set>
+                                      <p:cBhvr>
+                                        <p:cTn id="26" dur="1" fill="hold">
+                                          <p:stCondLst>
+                                            <p:cond delay="0"/>
+                                          </p:stCondLst>
+                                        </p:cTn>
+                                        <p:tgtEl>
+                                          <p:spTgt spid="3">
+                                            <p:txEl>
+                                              <p:pRg st="5" end="5"/>
+                                            </p:txEl>
+                                          </p:spTgt>
+                                        </p:tgtEl>
+                                        <p:attrNameLst>
+                                          <p:attrName>style.visibility</p:attrName>
+                                        </p:attrNameLst>
+                                      </p:cBhvr>
+                                      <p:to>
+                                        <p:strVal val="visible"/>
+                                      </p:to>
+                                    </p:set>
+                                  </p:childTnLst>
+                                </p:cTn>
+                              </p:par>
+                            </p:childTnLst>
+                          </p:cTn>
+                        </p:par>
+                      </p:childTnLst>
+                    </p:cTn>
+                  </p:par>
+                </p:childTnLst>
+              </p:cTn>
+              <p:prevCondLst>
+                <p:cond evt="onPrev" delay="0">
+                  <p:tgtEl>
+                    <p:sldTgt/>
+                  </p:tgtEl>
+                </p:cond>
+              </p:prevCondLst>
+              <p:nextCondLst>
+                <p:cond evt="onNext" delay="0">
+                  <p:tgtEl>
+                    <p:sldTgt/>
+                  </p:tgtEl>
+                </p:cond>
+              </p:nextCondLst>
+            </p:seq>
+          </p:childTnLst>
+        </p:cTn>
+      </p:par>
+    </p:tnLst>
+    <p:bldLst>
+      <p:bldP spid="3" grpId="0" build="p"/>
+    </p:bldLst>
+  </p:timing>
 </p:sld>
 </file>
 
@@ -5070,6 +5428,398 @@
   <p:clrMapOvr>
     <a:masterClrMapping/>
   </p:clrMapOvr>
+  <p:timing>
+    <p:tnLst>
+      <p:par>
+        <p:cTn id="1" dur="indefinite" restart="never" nodeType="tmRoot">
+          <p:childTnLst>
+            <p:seq concurrent="1" nextAc="seek">
+              <p:cTn id="2" dur="indefinite" nodeType="mainSeq">
+                <p:childTnLst>
+                  <p:par>
+                    <p:cTn id="3" fill="hold">
+                      <p:stCondLst>
+                        <p:cond delay="indefinite"/>
+                      </p:stCondLst>
+                      <p:childTnLst>
+                        <p:par>
+                          <p:cTn id="4" fill="hold">
+                            <p:stCondLst>
+                              <p:cond delay="0"/>
+                            </p:stCondLst>
+                            <p:childTnLst>
+                              <p:par>
+                                <p:cTn id="5" presetID="1" presetClass="entr" presetSubtype="0" fill="hold" grpId="0" nodeType="clickEffect">
+                                  <p:stCondLst>
+                                    <p:cond delay="0"/>
+                                  </p:stCondLst>
+                                  <p:childTnLst>
+                                    <p:set>
+                                      <p:cBhvr>
+                                        <p:cTn id="6" dur="1" fill="hold">
+                                          <p:stCondLst>
+                                            <p:cond delay="0"/>
+                                          </p:stCondLst>
+                                        </p:cTn>
+                                        <p:tgtEl>
+                                          <p:spTgt spid="3">
+                                            <p:txEl>
+                                              <p:pRg st="0" end="0"/>
+                                            </p:txEl>
+                                          </p:spTgt>
+                                        </p:tgtEl>
+                                        <p:attrNameLst>
+                                          <p:attrName>style.visibility</p:attrName>
+                                        </p:attrNameLst>
+                                      </p:cBhvr>
+                                      <p:to>
+                                        <p:strVal val="visible"/>
+                                      </p:to>
+                                    </p:set>
+                                  </p:childTnLst>
+                                </p:cTn>
+                              </p:par>
+                              <p:par>
+                                <p:cTn id="7" presetID="1" presetClass="entr" presetSubtype="0" fill="hold" grpId="0" nodeType="withEffect">
+                                  <p:stCondLst>
+                                    <p:cond delay="0"/>
+                                  </p:stCondLst>
+                                  <p:childTnLst>
+                                    <p:set>
+                                      <p:cBhvr>
+                                        <p:cTn id="8" dur="1" fill="hold">
+                                          <p:stCondLst>
+                                            <p:cond delay="0"/>
+                                          </p:stCondLst>
+                                        </p:cTn>
+                                        <p:tgtEl>
+                                          <p:spTgt spid="3">
+                                            <p:txEl>
+                                              <p:pRg st="1" end="1"/>
+                                            </p:txEl>
+                                          </p:spTgt>
+                                        </p:tgtEl>
+                                        <p:attrNameLst>
+                                          <p:attrName>style.visibility</p:attrName>
+                                        </p:attrNameLst>
+                                      </p:cBhvr>
+                                      <p:to>
+                                        <p:strVal val="visible"/>
+                                      </p:to>
+                                    </p:set>
+                                  </p:childTnLst>
+                                </p:cTn>
+                              </p:par>
+                              <p:par>
+                                <p:cTn id="9" presetID="1" presetClass="entr" presetSubtype="0" fill="hold" grpId="0" nodeType="withEffect">
+                                  <p:stCondLst>
+                                    <p:cond delay="0"/>
+                                  </p:stCondLst>
+                                  <p:childTnLst>
+                                    <p:set>
+                                      <p:cBhvr>
+                                        <p:cTn id="10" dur="1" fill="hold">
+                                          <p:stCondLst>
+                                            <p:cond delay="0"/>
+                                          </p:stCondLst>
+                                        </p:cTn>
+                                        <p:tgtEl>
+                                          <p:spTgt spid="3">
+                                            <p:txEl>
+                                              <p:pRg st="2" end="2"/>
+                                            </p:txEl>
+                                          </p:spTgt>
+                                        </p:tgtEl>
+                                        <p:attrNameLst>
+                                          <p:attrName>style.visibility</p:attrName>
+                                        </p:attrNameLst>
+                                      </p:cBhvr>
+                                      <p:to>
+                                        <p:strVal val="visible"/>
+                                      </p:to>
+                                    </p:set>
+                                  </p:childTnLst>
+                                </p:cTn>
+                              </p:par>
+                              <p:par>
+                                <p:cTn id="11" presetID="1" presetClass="entr" presetSubtype="0" fill="hold" grpId="0" nodeType="withEffect">
+                                  <p:stCondLst>
+                                    <p:cond delay="0"/>
+                                  </p:stCondLst>
+                                  <p:childTnLst>
+                                    <p:set>
+                                      <p:cBhvr>
+                                        <p:cTn id="12" dur="1" fill="hold">
+                                          <p:stCondLst>
+                                            <p:cond delay="0"/>
+                                          </p:stCondLst>
+                                        </p:cTn>
+                                        <p:tgtEl>
+                                          <p:spTgt spid="3">
+                                            <p:txEl>
+                                              <p:pRg st="3" end="3"/>
+                                            </p:txEl>
+                                          </p:spTgt>
+                                        </p:tgtEl>
+                                        <p:attrNameLst>
+                                          <p:attrName>style.visibility</p:attrName>
+                                        </p:attrNameLst>
+                                      </p:cBhvr>
+                                      <p:to>
+                                        <p:strVal val="visible"/>
+                                      </p:to>
+                                    </p:set>
+                                  </p:childTnLst>
+                                </p:cTn>
+                              </p:par>
+                              <p:par>
+                                <p:cTn id="13" presetID="1" presetClass="entr" presetSubtype="0" fill="hold" grpId="0" nodeType="withEffect">
+                                  <p:stCondLst>
+                                    <p:cond delay="0"/>
+                                  </p:stCondLst>
+                                  <p:childTnLst>
+                                    <p:set>
+                                      <p:cBhvr>
+                                        <p:cTn id="14" dur="1" fill="hold">
+                                          <p:stCondLst>
+                                            <p:cond delay="0"/>
+                                          </p:stCondLst>
+                                        </p:cTn>
+                                        <p:tgtEl>
+                                          <p:spTgt spid="3">
+                                            <p:txEl>
+                                              <p:pRg st="4" end="4"/>
+                                            </p:txEl>
+                                          </p:spTgt>
+                                        </p:tgtEl>
+                                        <p:attrNameLst>
+                                          <p:attrName>style.visibility</p:attrName>
+                                        </p:attrNameLst>
+                                      </p:cBhvr>
+                                      <p:to>
+                                        <p:strVal val="visible"/>
+                                      </p:to>
+                                    </p:set>
+                                  </p:childTnLst>
+                                </p:cTn>
+                              </p:par>
+                              <p:par>
+                                <p:cTn id="15" presetID="1" presetClass="entr" presetSubtype="0" fill="hold" grpId="0" nodeType="withEffect">
+                                  <p:stCondLst>
+                                    <p:cond delay="0"/>
+                                  </p:stCondLst>
+                                  <p:childTnLst>
+                                    <p:set>
+                                      <p:cBhvr>
+                                        <p:cTn id="16" dur="1" fill="hold">
+                                          <p:stCondLst>
+                                            <p:cond delay="0"/>
+                                          </p:stCondLst>
+                                        </p:cTn>
+                                        <p:tgtEl>
+                                          <p:spTgt spid="3">
+                                            <p:txEl>
+                                              <p:pRg st="5" end="5"/>
+                                            </p:txEl>
+                                          </p:spTgt>
+                                        </p:tgtEl>
+                                        <p:attrNameLst>
+                                          <p:attrName>style.visibility</p:attrName>
+                                        </p:attrNameLst>
+                                      </p:cBhvr>
+                                      <p:to>
+                                        <p:strVal val="visible"/>
+                                      </p:to>
+                                    </p:set>
+                                  </p:childTnLst>
+                                </p:cTn>
+                              </p:par>
+                              <p:par>
+                                <p:cTn id="17" presetID="1" presetClass="entr" presetSubtype="0" fill="hold" grpId="0" nodeType="withEffect">
+                                  <p:stCondLst>
+                                    <p:cond delay="0"/>
+                                  </p:stCondLst>
+                                  <p:childTnLst>
+                                    <p:set>
+                                      <p:cBhvr>
+                                        <p:cTn id="18" dur="1" fill="hold">
+                                          <p:stCondLst>
+                                            <p:cond delay="0"/>
+                                          </p:stCondLst>
+                                        </p:cTn>
+                                        <p:tgtEl>
+                                          <p:spTgt spid="3">
+                                            <p:txEl>
+                                              <p:pRg st="6" end="6"/>
+                                            </p:txEl>
+                                          </p:spTgt>
+                                        </p:tgtEl>
+                                        <p:attrNameLst>
+                                          <p:attrName>style.visibility</p:attrName>
+                                        </p:attrNameLst>
+                                      </p:cBhvr>
+                                      <p:to>
+                                        <p:strVal val="visible"/>
+                                      </p:to>
+                                    </p:set>
+                                  </p:childTnLst>
+                                </p:cTn>
+                              </p:par>
+                              <p:par>
+                                <p:cTn id="19" presetID="1" presetClass="entr" presetSubtype="0" fill="hold" grpId="0" nodeType="withEffect">
+                                  <p:stCondLst>
+                                    <p:cond delay="0"/>
+                                  </p:stCondLst>
+                                  <p:childTnLst>
+                                    <p:set>
+                                      <p:cBhvr>
+                                        <p:cTn id="20" dur="1" fill="hold">
+                                          <p:stCondLst>
+                                            <p:cond delay="0"/>
+                                          </p:stCondLst>
+                                        </p:cTn>
+                                        <p:tgtEl>
+                                          <p:spTgt spid="3">
+                                            <p:txEl>
+                                              <p:pRg st="7" end="7"/>
+                                            </p:txEl>
+                                          </p:spTgt>
+                                        </p:tgtEl>
+                                        <p:attrNameLst>
+                                          <p:attrName>style.visibility</p:attrName>
+                                        </p:attrNameLst>
+                                      </p:cBhvr>
+                                      <p:to>
+                                        <p:strVal val="visible"/>
+                                      </p:to>
+                                    </p:set>
+                                  </p:childTnLst>
+                                </p:cTn>
+                              </p:par>
+                              <p:par>
+                                <p:cTn id="21" presetID="1" presetClass="entr" presetSubtype="0" fill="hold" grpId="0" nodeType="withEffect">
+                                  <p:stCondLst>
+                                    <p:cond delay="0"/>
+                                  </p:stCondLst>
+                                  <p:childTnLst>
+                                    <p:set>
+                                      <p:cBhvr>
+                                        <p:cTn id="22" dur="1" fill="hold">
+                                          <p:stCondLst>
+                                            <p:cond delay="0"/>
+                                          </p:stCondLst>
+                                        </p:cTn>
+                                        <p:tgtEl>
+                                          <p:spTgt spid="3">
+                                            <p:txEl>
+                                              <p:pRg st="8" end="8"/>
+                                            </p:txEl>
+                                          </p:spTgt>
+                                        </p:tgtEl>
+                                        <p:attrNameLst>
+                                          <p:attrName>style.visibility</p:attrName>
+                                        </p:attrNameLst>
+                                      </p:cBhvr>
+                                      <p:to>
+                                        <p:strVal val="visible"/>
+                                      </p:to>
+                                    </p:set>
+                                  </p:childTnLst>
+                                </p:cTn>
+                              </p:par>
+                              <p:par>
+                                <p:cTn id="23" presetID="1" presetClass="entr" presetSubtype="0" fill="hold" grpId="0" nodeType="withEffect">
+                                  <p:stCondLst>
+                                    <p:cond delay="0"/>
+                                  </p:stCondLst>
+                                  <p:childTnLst>
+                                    <p:set>
+                                      <p:cBhvr>
+                                        <p:cTn id="24" dur="1" fill="hold">
+                                          <p:stCondLst>
+                                            <p:cond delay="0"/>
+                                          </p:stCondLst>
+                                        </p:cTn>
+                                        <p:tgtEl>
+                                          <p:spTgt spid="3">
+                                            <p:txEl>
+                                              <p:pRg st="9" end="9"/>
+                                            </p:txEl>
+                                          </p:spTgt>
+                                        </p:tgtEl>
+                                        <p:attrNameLst>
+                                          <p:attrName>style.visibility</p:attrName>
+                                        </p:attrNameLst>
+                                      </p:cBhvr>
+                                      <p:to>
+                                        <p:strVal val="visible"/>
+                                      </p:to>
+                                    </p:set>
+                                  </p:childTnLst>
+                                </p:cTn>
+                              </p:par>
+                              <p:par>
+                                <p:cTn id="25" presetID="1" presetClass="entr" presetSubtype="0" fill="hold" grpId="0" nodeType="withEffect">
+                                  <p:stCondLst>
+                                    <p:cond delay="0"/>
+                                  </p:stCondLst>
+                                  <p:childTnLst>
+                                    <p:set>
+                                      <p:cBhvr>
+                                        <p:cTn id="26" dur="1" fill="hold">
+                                          <p:stCondLst>
+                                            <p:cond delay="0"/>
+                                          </p:stCondLst>
+                                        </p:cTn>
+                                        <p:tgtEl>
+                                          <p:spTgt spid="3">
+                                            <p:txEl>
+                                              <p:pRg st="10" end="10"/>
+                                            </p:txEl>
+                                          </p:spTgt>
+                                        </p:tgtEl>
+                                        <p:attrNameLst>
+                                          <p:attrName>style.visibility</p:attrName>
+                                        </p:attrNameLst>
+                                      </p:cBhvr>
+                                      <p:to>
+                                        <p:strVal val="visible"/>
+                                      </p:to>
+                                    </p:set>
+                                  </p:childTnLst>
+                                </p:cTn>
+                              </p:par>
+                            </p:childTnLst>
+                          </p:cTn>
+                        </p:par>
+                      </p:childTnLst>
+                    </p:cTn>
+                  </p:par>
+                </p:childTnLst>
+              </p:cTn>
+              <p:prevCondLst>
+                <p:cond evt="onPrev" delay="0">
+                  <p:tgtEl>
+                    <p:sldTgt/>
+                  </p:tgtEl>
+                </p:cond>
+              </p:prevCondLst>
+              <p:nextCondLst>
+                <p:cond evt="onNext" delay="0">
+                  <p:tgtEl>
+                    <p:sldTgt/>
+                  </p:tgtEl>
+                </p:cond>
+              </p:nextCondLst>
+            </p:seq>
+          </p:childTnLst>
+        </p:cTn>
+      </p:par>
+    </p:tnLst>
+    <p:bldLst>
+      <p:bldP spid="3" grpId="0" build="p"/>
+    </p:bldLst>
+  </p:timing>
 </p:sld>
 </file>
 
@@ -5202,6 +5952,359 @@
   <p:clrMapOvr>
     <a:masterClrMapping/>
   </p:clrMapOvr>
+  <p:timing>
+    <p:tnLst>
+      <p:par>
+        <p:cTn id="1" dur="indefinite" restart="never" nodeType="tmRoot">
+          <p:childTnLst>
+            <p:seq concurrent="1" nextAc="seek">
+              <p:cTn id="2" dur="indefinite" nodeType="mainSeq">
+                <p:childTnLst>
+                  <p:par>
+                    <p:cTn id="3" fill="hold">
+                      <p:stCondLst>
+                        <p:cond delay="indefinite"/>
+                      </p:stCondLst>
+                      <p:childTnLst>
+                        <p:par>
+                          <p:cTn id="4" fill="hold">
+                            <p:stCondLst>
+                              <p:cond delay="0"/>
+                            </p:stCondLst>
+                            <p:childTnLst>
+                              <p:par>
+                                <p:cTn id="5" presetID="1" presetClass="entr" presetSubtype="0" fill="hold" grpId="0" nodeType="clickEffect">
+                                  <p:stCondLst>
+                                    <p:cond delay="0"/>
+                                  </p:stCondLst>
+                                  <p:childTnLst>
+                                    <p:set>
+                                      <p:cBhvr>
+                                        <p:cTn id="6" dur="1" fill="hold">
+                                          <p:stCondLst>
+                                            <p:cond delay="0"/>
+                                          </p:stCondLst>
+                                        </p:cTn>
+                                        <p:tgtEl>
+                                          <p:spTgt spid="3">
+                                            <p:txEl>
+                                              <p:pRg st="0" end="0"/>
+                                            </p:txEl>
+                                          </p:spTgt>
+                                        </p:tgtEl>
+                                        <p:attrNameLst>
+                                          <p:attrName>style.visibility</p:attrName>
+                                        </p:attrNameLst>
+                                      </p:cBhvr>
+                                      <p:to>
+                                        <p:strVal val="visible"/>
+                                      </p:to>
+                                    </p:set>
+                                  </p:childTnLst>
+                                </p:cTn>
+                              </p:par>
+                            </p:childTnLst>
+                          </p:cTn>
+                        </p:par>
+                      </p:childTnLst>
+                    </p:cTn>
+                  </p:par>
+                  <p:par>
+                    <p:cTn id="7" fill="hold">
+                      <p:stCondLst>
+                        <p:cond delay="indefinite"/>
+                      </p:stCondLst>
+                      <p:childTnLst>
+                        <p:par>
+                          <p:cTn id="8" fill="hold">
+                            <p:stCondLst>
+                              <p:cond delay="0"/>
+                            </p:stCondLst>
+                            <p:childTnLst>
+                              <p:par>
+                                <p:cTn id="9" presetID="1" presetClass="entr" presetSubtype="0" fill="hold" grpId="0" nodeType="clickEffect">
+                                  <p:stCondLst>
+                                    <p:cond delay="0"/>
+                                  </p:stCondLst>
+                                  <p:childTnLst>
+                                    <p:set>
+                                      <p:cBhvr>
+                                        <p:cTn id="10" dur="1" fill="hold">
+                                          <p:stCondLst>
+                                            <p:cond delay="0"/>
+                                          </p:stCondLst>
+                                        </p:cTn>
+                                        <p:tgtEl>
+                                          <p:spTgt spid="3">
+                                            <p:txEl>
+                                              <p:pRg st="1" end="1"/>
+                                            </p:txEl>
+                                          </p:spTgt>
+                                        </p:tgtEl>
+                                        <p:attrNameLst>
+                                          <p:attrName>style.visibility</p:attrName>
+                                        </p:attrNameLst>
+                                      </p:cBhvr>
+                                      <p:to>
+                                        <p:strVal val="visible"/>
+                                      </p:to>
+                                    </p:set>
+                                  </p:childTnLst>
+                                </p:cTn>
+                              </p:par>
+                            </p:childTnLst>
+                          </p:cTn>
+                        </p:par>
+                      </p:childTnLst>
+                    </p:cTn>
+                  </p:par>
+                  <p:par>
+                    <p:cTn id="11" fill="hold">
+                      <p:stCondLst>
+                        <p:cond delay="indefinite"/>
+                      </p:stCondLst>
+                      <p:childTnLst>
+                        <p:par>
+                          <p:cTn id="12" fill="hold">
+                            <p:stCondLst>
+                              <p:cond delay="0"/>
+                            </p:stCondLst>
+                            <p:childTnLst>
+                              <p:par>
+                                <p:cTn id="13" presetID="1" presetClass="entr" presetSubtype="0" fill="hold" grpId="0" nodeType="clickEffect">
+                                  <p:stCondLst>
+                                    <p:cond delay="0"/>
+                                  </p:stCondLst>
+                                  <p:childTnLst>
+                                    <p:set>
+                                      <p:cBhvr>
+                                        <p:cTn id="14" dur="1" fill="hold">
+                                          <p:stCondLst>
+                                            <p:cond delay="0"/>
+                                          </p:stCondLst>
+                                        </p:cTn>
+                                        <p:tgtEl>
+                                          <p:spTgt spid="3">
+                                            <p:txEl>
+                                              <p:pRg st="2" end="2"/>
+                                            </p:txEl>
+                                          </p:spTgt>
+                                        </p:tgtEl>
+                                        <p:attrNameLst>
+                                          <p:attrName>style.visibility</p:attrName>
+                                        </p:attrNameLst>
+                                      </p:cBhvr>
+                                      <p:to>
+                                        <p:strVal val="visible"/>
+                                      </p:to>
+                                    </p:set>
+                                  </p:childTnLst>
+                                </p:cTn>
+                              </p:par>
+                              <p:par>
+                                <p:cTn id="15" presetID="1" presetClass="entr" presetSubtype="0" fill="hold" grpId="0" nodeType="withEffect">
+                                  <p:stCondLst>
+                                    <p:cond delay="0"/>
+                                  </p:stCondLst>
+                                  <p:childTnLst>
+                                    <p:set>
+                                      <p:cBhvr>
+                                        <p:cTn id="16" dur="1" fill="hold">
+                                          <p:stCondLst>
+                                            <p:cond delay="0"/>
+                                          </p:stCondLst>
+                                        </p:cTn>
+                                        <p:tgtEl>
+                                          <p:spTgt spid="3">
+                                            <p:txEl>
+                                              <p:pRg st="3" end="3"/>
+                                            </p:txEl>
+                                          </p:spTgt>
+                                        </p:tgtEl>
+                                        <p:attrNameLst>
+                                          <p:attrName>style.visibility</p:attrName>
+                                        </p:attrNameLst>
+                                      </p:cBhvr>
+                                      <p:to>
+                                        <p:strVal val="visible"/>
+                                      </p:to>
+                                    </p:set>
+                                  </p:childTnLst>
+                                </p:cTn>
+                              </p:par>
+                              <p:par>
+                                <p:cTn id="17" presetID="1" presetClass="entr" presetSubtype="0" fill="hold" grpId="0" nodeType="withEffect">
+                                  <p:stCondLst>
+                                    <p:cond delay="0"/>
+                                  </p:stCondLst>
+                                  <p:childTnLst>
+                                    <p:set>
+                                      <p:cBhvr>
+                                        <p:cTn id="18" dur="1" fill="hold">
+                                          <p:stCondLst>
+                                            <p:cond delay="0"/>
+                                          </p:stCondLst>
+                                        </p:cTn>
+                                        <p:tgtEl>
+                                          <p:spTgt spid="3">
+                                            <p:txEl>
+                                              <p:pRg st="4" end="4"/>
+                                            </p:txEl>
+                                          </p:spTgt>
+                                        </p:tgtEl>
+                                        <p:attrNameLst>
+                                          <p:attrName>style.visibility</p:attrName>
+                                        </p:attrNameLst>
+                                      </p:cBhvr>
+                                      <p:to>
+                                        <p:strVal val="visible"/>
+                                      </p:to>
+                                    </p:set>
+                                  </p:childTnLst>
+                                </p:cTn>
+                              </p:par>
+                              <p:par>
+                                <p:cTn id="19" presetID="1" presetClass="entr" presetSubtype="0" fill="hold" grpId="0" nodeType="withEffect">
+                                  <p:stCondLst>
+                                    <p:cond delay="0"/>
+                                  </p:stCondLst>
+                                  <p:childTnLst>
+                                    <p:set>
+                                      <p:cBhvr>
+                                        <p:cTn id="20" dur="1" fill="hold">
+                                          <p:stCondLst>
+                                            <p:cond delay="0"/>
+                                          </p:stCondLst>
+                                        </p:cTn>
+                                        <p:tgtEl>
+                                          <p:spTgt spid="3">
+                                            <p:txEl>
+                                              <p:pRg st="5" end="5"/>
+                                            </p:txEl>
+                                          </p:spTgt>
+                                        </p:tgtEl>
+                                        <p:attrNameLst>
+                                          <p:attrName>style.visibility</p:attrName>
+                                        </p:attrNameLst>
+                                      </p:cBhvr>
+                                      <p:to>
+                                        <p:strVal val="visible"/>
+                                      </p:to>
+                                    </p:set>
+                                  </p:childTnLst>
+                                </p:cTn>
+                              </p:par>
+                            </p:childTnLst>
+                          </p:cTn>
+                        </p:par>
+                      </p:childTnLst>
+                    </p:cTn>
+                  </p:par>
+                  <p:par>
+                    <p:cTn id="21" fill="hold">
+                      <p:stCondLst>
+                        <p:cond delay="indefinite"/>
+                      </p:stCondLst>
+                      <p:childTnLst>
+                        <p:par>
+                          <p:cTn id="22" fill="hold">
+                            <p:stCondLst>
+                              <p:cond delay="0"/>
+                            </p:stCondLst>
+                            <p:childTnLst>
+                              <p:par>
+                                <p:cTn id="23" presetID="1" presetClass="entr" presetSubtype="0" fill="hold" grpId="0" nodeType="clickEffect">
+                                  <p:stCondLst>
+                                    <p:cond delay="0"/>
+                                  </p:stCondLst>
+                                  <p:childTnLst>
+                                    <p:set>
+                                      <p:cBhvr>
+                                        <p:cTn id="24" dur="1" fill="hold">
+                                          <p:stCondLst>
+                                            <p:cond delay="0"/>
+                                          </p:stCondLst>
+                                        </p:cTn>
+                                        <p:tgtEl>
+                                          <p:spTgt spid="3">
+                                            <p:txEl>
+                                              <p:pRg st="6" end="6"/>
+                                            </p:txEl>
+                                          </p:spTgt>
+                                        </p:tgtEl>
+                                        <p:attrNameLst>
+                                          <p:attrName>style.visibility</p:attrName>
+                                        </p:attrNameLst>
+                                      </p:cBhvr>
+                                      <p:to>
+                                        <p:strVal val="visible"/>
+                                      </p:to>
+                                    </p:set>
+                                  </p:childTnLst>
+                                </p:cTn>
+                              </p:par>
+                              <p:par>
+                                <p:cTn id="25" presetID="1" presetClass="entr" presetSubtype="0" fill="hold" grpId="0" nodeType="withEffect">
+                                  <p:stCondLst>
+                                    <p:cond delay="0"/>
+                                  </p:stCondLst>
+                                  <p:childTnLst>
+                                    <p:set>
+                                      <p:cBhvr>
+                                        <p:cTn id="26" dur="1" fill="hold">
+                                          <p:stCondLst>
+                                            <p:cond delay="0"/>
+                                          </p:stCondLst>
+                                        </p:cTn>
+                                        <p:tgtEl>
+                                          <p:spTgt spid="3">
+                                            <p:txEl>
+                                              <p:pRg st="7" end="7"/>
+                                            </p:txEl>
+                                          </p:spTgt>
+                                        </p:tgtEl>
+                                        <p:attrNameLst>
+                                          <p:attrName>style.visibility</p:attrName>
+                                        </p:attrNameLst>
+                                      </p:cBhvr>
+                                      <p:to>
+                                        <p:strVal val="visible"/>
+                                      </p:to>
+                                    </p:set>
+                                  </p:childTnLst>
+                                </p:cTn>
+                              </p:par>
+                            </p:childTnLst>
+                          </p:cTn>
+                        </p:par>
+                      </p:childTnLst>
+                    </p:cTn>
+                  </p:par>
+                </p:childTnLst>
+              </p:cTn>
+              <p:prevCondLst>
+                <p:cond evt="onPrev" delay="0">
+                  <p:tgtEl>
+                    <p:sldTgt/>
+                  </p:tgtEl>
+                </p:cond>
+              </p:prevCondLst>
+              <p:nextCondLst>
+                <p:cond evt="onNext" delay="0">
+                  <p:tgtEl>
+                    <p:sldTgt/>
+                  </p:tgtEl>
+                </p:cond>
+              </p:nextCondLst>
+            </p:seq>
+          </p:childTnLst>
+        </p:cTn>
+      </p:par>
+    </p:tnLst>
+    <p:bldLst>
+      <p:bldP spid="3" grpId="0" build="p"/>
+    </p:bldLst>
+  </p:timing>
 </p:sld>
 </file>
 
@@ -5300,13 +6403,8 @@
             <a:pPr lvl="1"/>
             <a:r>
               <a:rPr lang="en-US" dirty="0"/>
-              <a:t>Learn how to conduct a Scrum meeting to set goals for your </a:t>
-            </a:r>
-            <a:r>
-              <a:rPr lang="en-US"/>
-              <a:t>team each week.</a:t>
-            </a:r>
-            <a:endParaRPr lang="en-US" dirty="0"/>
+              <a:t>Learn how to conduct a Scrum meeting to set goals for your team each week.</a:t>
+            </a:r>
           </a:p>
         </p:txBody>
       </p:sp>
@@ -5320,6 +6418,230 @@
   <p:clrMapOvr>
     <a:masterClrMapping/>
   </p:clrMapOvr>
+  <p:timing>
+    <p:tnLst>
+      <p:par>
+        <p:cTn id="1" dur="indefinite" restart="never" nodeType="tmRoot">
+          <p:childTnLst>
+            <p:seq concurrent="1" nextAc="seek">
+              <p:cTn id="2" dur="indefinite" nodeType="mainSeq">
+                <p:childTnLst>
+                  <p:par>
+                    <p:cTn id="3" fill="hold">
+                      <p:stCondLst>
+                        <p:cond delay="indefinite"/>
+                      </p:stCondLst>
+                      <p:childTnLst>
+                        <p:par>
+                          <p:cTn id="4" fill="hold">
+                            <p:stCondLst>
+                              <p:cond delay="0"/>
+                            </p:stCondLst>
+                            <p:childTnLst>
+                              <p:par>
+                                <p:cTn id="5" presetID="1" presetClass="entr" presetSubtype="0" fill="hold" grpId="0" nodeType="clickEffect">
+                                  <p:stCondLst>
+                                    <p:cond delay="0"/>
+                                  </p:stCondLst>
+                                  <p:childTnLst>
+                                    <p:set>
+                                      <p:cBhvr>
+                                        <p:cTn id="6" dur="1" fill="hold">
+                                          <p:stCondLst>
+                                            <p:cond delay="0"/>
+                                          </p:stCondLst>
+                                        </p:cTn>
+                                        <p:tgtEl>
+                                          <p:spTgt spid="3">
+                                            <p:txEl>
+                                              <p:pRg st="0" end="0"/>
+                                            </p:txEl>
+                                          </p:spTgt>
+                                        </p:tgtEl>
+                                        <p:attrNameLst>
+                                          <p:attrName>style.visibility</p:attrName>
+                                        </p:attrNameLst>
+                                      </p:cBhvr>
+                                      <p:to>
+                                        <p:strVal val="visible"/>
+                                      </p:to>
+                                    </p:set>
+                                  </p:childTnLst>
+                                </p:cTn>
+                              </p:par>
+                              <p:par>
+                                <p:cTn id="7" presetID="1" presetClass="entr" presetSubtype="0" fill="hold" grpId="0" nodeType="withEffect">
+                                  <p:stCondLst>
+                                    <p:cond delay="0"/>
+                                  </p:stCondLst>
+                                  <p:childTnLst>
+                                    <p:set>
+                                      <p:cBhvr>
+                                        <p:cTn id="8" dur="1" fill="hold">
+                                          <p:stCondLst>
+                                            <p:cond delay="0"/>
+                                          </p:stCondLst>
+                                        </p:cTn>
+                                        <p:tgtEl>
+                                          <p:spTgt spid="3">
+                                            <p:txEl>
+                                              <p:pRg st="1" end="1"/>
+                                            </p:txEl>
+                                          </p:spTgt>
+                                        </p:tgtEl>
+                                        <p:attrNameLst>
+                                          <p:attrName>style.visibility</p:attrName>
+                                        </p:attrNameLst>
+                                      </p:cBhvr>
+                                      <p:to>
+                                        <p:strVal val="visible"/>
+                                      </p:to>
+                                    </p:set>
+                                  </p:childTnLst>
+                                </p:cTn>
+                              </p:par>
+                              <p:par>
+                                <p:cTn id="9" presetID="1" presetClass="entr" presetSubtype="0" fill="hold" grpId="0" nodeType="withEffect">
+                                  <p:stCondLst>
+                                    <p:cond delay="0"/>
+                                  </p:stCondLst>
+                                  <p:childTnLst>
+                                    <p:set>
+                                      <p:cBhvr>
+                                        <p:cTn id="10" dur="1" fill="hold">
+                                          <p:stCondLst>
+                                            <p:cond delay="0"/>
+                                          </p:stCondLst>
+                                        </p:cTn>
+                                        <p:tgtEl>
+                                          <p:spTgt spid="3">
+                                            <p:txEl>
+                                              <p:pRg st="2" end="2"/>
+                                            </p:txEl>
+                                          </p:spTgt>
+                                        </p:tgtEl>
+                                        <p:attrNameLst>
+                                          <p:attrName>style.visibility</p:attrName>
+                                        </p:attrNameLst>
+                                      </p:cBhvr>
+                                      <p:to>
+                                        <p:strVal val="visible"/>
+                                      </p:to>
+                                    </p:set>
+                                  </p:childTnLst>
+                                </p:cTn>
+                              </p:par>
+                            </p:childTnLst>
+                          </p:cTn>
+                        </p:par>
+                      </p:childTnLst>
+                    </p:cTn>
+                  </p:par>
+                  <p:par>
+                    <p:cTn id="11" fill="hold">
+                      <p:stCondLst>
+                        <p:cond delay="indefinite"/>
+                      </p:stCondLst>
+                      <p:childTnLst>
+                        <p:par>
+                          <p:cTn id="12" fill="hold">
+                            <p:stCondLst>
+                              <p:cond delay="0"/>
+                            </p:stCondLst>
+                            <p:childTnLst>
+                              <p:par>
+                                <p:cTn id="13" presetID="1" presetClass="entr" presetSubtype="0" fill="hold" grpId="0" nodeType="clickEffect">
+                                  <p:stCondLst>
+                                    <p:cond delay="0"/>
+                                  </p:stCondLst>
+                                  <p:childTnLst>
+                                    <p:set>
+                                      <p:cBhvr>
+                                        <p:cTn id="14" dur="1" fill="hold">
+                                          <p:stCondLst>
+                                            <p:cond delay="0"/>
+                                          </p:stCondLst>
+                                        </p:cTn>
+                                        <p:tgtEl>
+                                          <p:spTgt spid="3">
+                                            <p:txEl>
+                                              <p:pRg st="3" end="3"/>
+                                            </p:txEl>
+                                          </p:spTgt>
+                                        </p:tgtEl>
+                                        <p:attrNameLst>
+                                          <p:attrName>style.visibility</p:attrName>
+                                        </p:attrNameLst>
+                                      </p:cBhvr>
+                                      <p:to>
+                                        <p:strVal val="visible"/>
+                                      </p:to>
+                                    </p:set>
+                                  </p:childTnLst>
+                                </p:cTn>
+                              </p:par>
+                              <p:par>
+                                <p:cTn id="15" presetID="1" presetClass="entr" presetSubtype="0" fill="hold" grpId="0" nodeType="withEffect">
+                                  <p:stCondLst>
+                                    <p:cond delay="0"/>
+                                  </p:stCondLst>
+                                  <p:childTnLst>
+                                    <p:set>
+                                      <p:cBhvr>
+                                        <p:cTn id="16" dur="1" fill="hold">
+                                          <p:stCondLst>
+                                            <p:cond delay="0"/>
+                                          </p:stCondLst>
+                                        </p:cTn>
+                                        <p:tgtEl>
+                                          <p:spTgt spid="3">
+                                            <p:txEl>
+                                              <p:pRg st="4" end="4"/>
+                                            </p:txEl>
+                                          </p:spTgt>
+                                        </p:tgtEl>
+                                        <p:attrNameLst>
+                                          <p:attrName>style.visibility</p:attrName>
+                                        </p:attrNameLst>
+                                      </p:cBhvr>
+                                      <p:to>
+                                        <p:strVal val="visible"/>
+                                      </p:to>
+                                    </p:set>
+                                  </p:childTnLst>
+                                </p:cTn>
+                              </p:par>
+                            </p:childTnLst>
+                          </p:cTn>
+                        </p:par>
+                      </p:childTnLst>
+                    </p:cTn>
+                  </p:par>
+                </p:childTnLst>
+              </p:cTn>
+              <p:prevCondLst>
+                <p:cond evt="onPrev" delay="0">
+                  <p:tgtEl>
+                    <p:sldTgt/>
+                  </p:tgtEl>
+                </p:cond>
+              </p:prevCondLst>
+              <p:nextCondLst>
+                <p:cond evt="onNext" delay="0">
+                  <p:tgtEl>
+                    <p:sldTgt/>
+                  </p:tgtEl>
+                </p:cond>
+              </p:nextCondLst>
+            </p:seq>
+          </p:childTnLst>
+        </p:cTn>
+      </p:par>
+    </p:tnLst>
+    <p:bldLst>
+      <p:bldP spid="3" grpId="0" build="p"/>
+    </p:bldLst>
+  </p:timing>
 </p:sld>
 </file>
 
@@ -6420,12 +7742,9 @@
 </file>
 
 <file path=customXml/item1.xml><?xml version="1.0" encoding="utf-8"?>
-<?mso-contentType ?>
-<FormTemplates xmlns="http://schemas.microsoft.com/sharepoint/v3/contenttype/forms">
-  <Display>DocumentLibraryForm</Display>
-  <Edit>DocumentLibraryForm</Edit>
-  <New>DocumentLibraryForm</New>
-</FormTemplates>
+<p:properties xmlns:p="http://schemas.microsoft.com/office/2006/metadata/properties" xmlns:xsi="http://www.w3.org/2001/XMLSchema-instance" xmlns:pc="http://schemas.microsoft.com/office/infopath/2007/PartnerControls">
+  <documentManagement/>
+</p:properties>
 </file>
 
 <file path=customXml/item2.xml><?xml version="1.0" encoding="utf-8"?>
@@ -6658,15 +7977,27 @@
 </file>
 
 <file path=customXml/item3.xml><?xml version="1.0" encoding="utf-8"?>
-<p:properties xmlns:p="http://schemas.microsoft.com/office/2006/metadata/properties" xmlns:xsi="http://www.w3.org/2001/XMLSchema-instance" xmlns:pc="http://schemas.microsoft.com/office/infopath/2007/PartnerControls">
-  <documentManagement/>
-</p:properties>
+<?mso-contentType ?>
+<FormTemplates xmlns="http://schemas.microsoft.com/sharepoint/v3/contenttype/forms">
+  <Display>DocumentLibraryForm</Display>
+  <Edit>DocumentLibraryForm</Edit>
+  <New>DocumentLibraryForm</New>
+</FormTemplates>
 </file>
 
 <file path=customXml/itemProps1.xml><?xml version="1.0" encoding="utf-8"?>
-<ds:datastoreItem xmlns:ds="http://schemas.openxmlformats.org/officeDocument/2006/customXml" ds:itemID="{FFF71063-750A-4F15-A0E6-049A2BA10D5D}">
+<ds:datastoreItem xmlns:ds="http://schemas.openxmlformats.org/officeDocument/2006/customXml" ds:itemID="{82A546FB-9270-4554-87AE-89FE30D805B0}">
   <ds:schemaRefs>
-    <ds:schemaRef ds:uri="http://schemas.microsoft.com/sharepoint/v3/contenttype/forms"/>
+    <ds:schemaRef ds:uri="http://schemas.microsoft.com/office/2006/documentManagement/types"/>
+    <ds:schemaRef ds:uri="http://schemas.openxmlformats.org/package/2006/metadata/core-properties"/>
+    <ds:schemaRef ds:uri="http://schemas.microsoft.com/office/2006/metadata/properties"/>
+    <ds:schemaRef ds:uri="http://purl.org/dc/terms/"/>
+    <ds:schemaRef ds:uri="fc2bff61-6a31-4c51-9f32-b9bba46405e5"/>
+    <ds:schemaRef ds:uri="http://www.w3.org/XML/1998/namespace"/>
+    <ds:schemaRef ds:uri="http://purl.org/dc/elements/1.1/"/>
+    <ds:schemaRef ds:uri="http://schemas.microsoft.com/office/infopath/2007/PartnerControls"/>
+    <ds:schemaRef ds:uri="cc9255bc-4d99-4f42-bba5-857cbcc6e725"/>
+    <ds:schemaRef ds:uri="http://purl.org/dc/dcmitype/"/>
   </ds:schemaRefs>
 </ds:datastoreItem>
 </file>
@@ -6691,18 +8022,9 @@
 </file>
 
 <file path=customXml/itemProps3.xml><?xml version="1.0" encoding="utf-8"?>
-<ds:datastoreItem xmlns:ds="http://schemas.openxmlformats.org/officeDocument/2006/customXml" ds:itemID="{82A546FB-9270-4554-87AE-89FE30D805B0}">
+<ds:datastoreItem xmlns:ds="http://schemas.openxmlformats.org/officeDocument/2006/customXml" ds:itemID="{FFF71063-750A-4F15-A0E6-049A2BA10D5D}">
   <ds:schemaRefs>
-    <ds:schemaRef ds:uri="http://www.w3.org/XML/1998/namespace"/>
-    <ds:schemaRef ds:uri="http://schemas.microsoft.com/office/2006/documentManagement/types"/>
-    <ds:schemaRef ds:uri="http://purl.org/dc/dcmitype/"/>
-    <ds:schemaRef ds:uri="cc9255bc-4d99-4f42-bba5-857cbcc6e725"/>
-    <ds:schemaRef ds:uri="http://purl.org/dc/elements/1.1/"/>
-    <ds:schemaRef ds:uri="http://purl.org/dc/terms/"/>
-    <ds:schemaRef ds:uri="http://schemas.microsoft.com/office/infopath/2007/PartnerControls"/>
-    <ds:schemaRef ds:uri="http://schemas.openxmlformats.org/package/2006/metadata/core-properties"/>
-    <ds:schemaRef ds:uri="fc2bff61-6a31-4c51-9f32-b9bba46405e5"/>
-    <ds:schemaRef ds:uri="http://schemas.microsoft.com/office/2006/metadata/properties"/>
+    <ds:schemaRef ds:uri="http://schemas.microsoft.com/sharepoint/v3/contenttype/forms"/>
   </ds:schemaRefs>
 </ds:datastoreItem>
 </file>